--- a/ppt 16-9/0337.立愿歌.pptx
+++ b/ppt 16-9/0337.立愿歌.pptx
@@ -129,7 +129,7 @@
           <p:cNvPr id="2" name="标题 1">
             <a:extLst>
               <a:ext uri="{FF2B5EF4-FFF2-40B4-BE49-F238E27FC236}">
-                <a16:creationId xmlns:a16="http://schemas.microsoft.com/office/drawing/2014/main" id="{24DAF092-B656-DDE8-8ACB-212517FE0FE9}"/>
+                <a16:creationId xmlns:a16="http://schemas.microsoft.com/office/drawing/2014/main" id="{8A4F2D51-6926-431A-2599-E82E66A92286}"/>
               </a:ext>
             </a:extLst>
           </p:cNvPr>
@@ -166,7 +166,7 @@
           <p:cNvPr id="3" name="副标题 2">
             <a:extLst>
               <a:ext uri="{FF2B5EF4-FFF2-40B4-BE49-F238E27FC236}">
-                <a16:creationId xmlns:a16="http://schemas.microsoft.com/office/drawing/2014/main" id="{9480562A-A8FA-FF58-CF7C-262673A59689}"/>
+                <a16:creationId xmlns:a16="http://schemas.microsoft.com/office/drawing/2014/main" id="{3EC50F5A-4705-B531-EA28-C20E86B25AD1}"/>
               </a:ext>
             </a:extLst>
           </p:cNvPr>
@@ -236,7 +236,7 @@
           <p:cNvPr id="4" name="日期占位符 3">
             <a:extLst>
               <a:ext uri="{FF2B5EF4-FFF2-40B4-BE49-F238E27FC236}">
-                <a16:creationId xmlns:a16="http://schemas.microsoft.com/office/drawing/2014/main" id="{3EFBE5B1-E947-A681-F8CC-02067524DE14}"/>
+                <a16:creationId xmlns:a16="http://schemas.microsoft.com/office/drawing/2014/main" id="{1A8304D3-16E8-E608-617A-CEFB19B2C843}"/>
               </a:ext>
             </a:extLst>
           </p:cNvPr>
@@ -252,7 +252,7 @@
           <a:bodyPr/>
           <a:lstStyle/>
           <a:p>
-            <a:fld id="{C0E2895F-3369-44DC-A428-72484E84E063}" type="datetimeFigureOut">
+            <a:fld id="{82150D35-6103-4946-8E8B-754EA331FA4F}" type="datetimeFigureOut">
               <a:rPr lang="zh-CN" altLang="en-US" smtClean="0"/>
               <a:t>2024/3/10</a:t>
             </a:fld>
@@ -265,7 +265,7 @@
           <p:cNvPr id="5" name="页脚占位符 4">
             <a:extLst>
               <a:ext uri="{FF2B5EF4-FFF2-40B4-BE49-F238E27FC236}">
-                <a16:creationId xmlns:a16="http://schemas.microsoft.com/office/drawing/2014/main" id="{C2A49D03-2B41-80FD-C676-76308CBBE9EA}"/>
+                <a16:creationId xmlns:a16="http://schemas.microsoft.com/office/drawing/2014/main" id="{9D40242B-1516-9639-8B92-1569291FB673}"/>
               </a:ext>
             </a:extLst>
           </p:cNvPr>
@@ -290,7 +290,7 @@
           <p:cNvPr id="6" name="灯片编号占位符 5">
             <a:extLst>
               <a:ext uri="{FF2B5EF4-FFF2-40B4-BE49-F238E27FC236}">
-                <a16:creationId xmlns:a16="http://schemas.microsoft.com/office/drawing/2014/main" id="{470C9138-F731-20AE-7703-E772C90FEB9C}"/>
+                <a16:creationId xmlns:a16="http://schemas.microsoft.com/office/drawing/2014/main" id="{CC5E6F66-2F68-0B3A-4AC2-93062BDD1E14}"/>
               </a:ext>
             </a:extLst>
           </p:cNvPr>
@@ -306,7 +306,7 @@
           <a:bodyPr/>
           <a:lstStyle/>
           <a:p>
-            <a:fld id="{3F52C4EB-695D-4F4A-B315-1FE7593CC331}" type="slidenum">
+            <a:fld id="{E4AA7ACE-CF8F-45DB-B691-C25CF15B4B83}" type="slidenum">
               <a:rPr lang="zh-CN" altLang="en-US" smtClean="0"/>
               <a:t>‹#›</a:t>
             </a:fld>
@@ -317,7 +317,7 @@
     </p:spTree>
     <p:extLst>
       <p:ext uri="{BB962C8B-B14F-4D97-AF65-F5344CB8AC3E}">
-        <p14:creationId xmlns:p14="http://schemas.microsoft.com/office/powerpoint/2010/main" val="3589714161"/>
+        <p14:creationId xmlns:p14="http://schemas.microsoft.com/office/powerpoint/2010/main" val="3673127215"/>
       </p:ext>
     </p:extLst>
   </p:cSld>
@@ -349,7 +349,7 @@
           <p:cNvPr id="2" name="标题 1">
             <a:extLst>
               <a:ext uri="{FF2B5EF4-FFF2-40B4-BE49-F238E27FC236}">
-                <a16:creationId xmlns:a16="http://schemas.microsoft.com/office/drawing/2014/main" id="{6CCB88C8-90CF-0599-AB40-CD664BEF7584}"/>
+                <a16:creationId xmlns:a16="http://schemas.microsoft.com/office/drawing/2014/main" id="{C293756D-A968-159E-F96A-ADD2A5FED93A}"/>
               </a:ext>
             </a:extLst>
           </p:cNvPr>
@@ -377,7 +377,7 @@
           <p:cNvPr id="3" name="竖排文字占位符 2">
             <a:extLst>
               <a:ext uri="{FF2B5EF4-FFF2-40B4-BE49-F238E27FC236}">
-                <a16:creationId xmlns:a16="http://schemas.microsoft.com/office/drawing/2014/main" id="{4733727B-98CD-D4ED-C874-01213D1D9705}"/>
+                <a16:creationId xmlns:a16="http://schemas.microsoft.com/office/drawing/2014/main" id="{E6DAE9E9-883F-DEF7-B392-0FE183C7E60D}"/>
               </a:ext>
             </a:extLst>
           </p:cNvPr>
@@ -434,7 +434,7 @@
           <p:cNvPr id="4" name="日期占位符 3">
             <a:extLst>
               <a:ext uri="{FF2B5EF4-FFF2-40B4-BE49-F238E27FC236}">
-                <a16:creationId xmlns:a16="http://schemas.microsoft.com/office/drawing/2014/main" id="{B4B110AD-E8DC-9129-B604-62A5789A0F55}"/>
+                <a16:creationId xmlns:a16="http://schemas.microsoft.com/office/drawing/2014/main" id="{80CDAED2-D895-3042-C0B9-673EF12C95A0}"/>
               </a:ext>
             </a:extLst>
           </p:cNvPr>
@@ -450,7 +450,7 @@
           <a:bodyPr/>
           <a:lstStyle/>
           <a:p>
-            <a:fld id="{C0E2895F-3369-44DC-A428-72484E84E063}" type="datetimeFigureOut">
+            <a:fld id="{82150D35-6103-4946-8E8B-754EA331FA4F}" type="datetimeFigureOut">
               <a:rPr lang="zh-CN" altLang="en-US" smtClean="0"/>
               <a:t>2024/3/10</a:t>
             </a:fld>
@@ -463,7 +463,7 @@
           <p:cNvPr id="5" name="页脚占位符 4">
             <a:extLst>
               <a:ext uri="{FF2B5EF4-FFF2-40B4-BE49-F238E27FC236}">
-                <a16:creationId xmlns:a16="http://schemas.microsoft.com/office/drawing/2014/main" id="{44DA6204-D4B8-5715-CD7C-43D0A2034821}"/>
+                <a16:creationId xmlns:a16="http://schemas.microsoft.com/office/drawing/2014/main" id="{5D57A02A-320B-1C10-522D-F3B0470CCBC4}"/>
               </a:ext>
             </a:extLst>
           </p:cNvPr>
@@ -488,7 +488,7 @@
           <p:cNvPr id="6" name="灯片编号占位符 5">
             <a:extLst>
               <a:ext uri="{FF2B5EF4-FFF2-40B4-BE49-F238E27FC236}">
-                <a16:creationId xmlns:a16="http://schemas.microsoft.com/office/drawing/2014/main" id="{AF5A4CCC-2AFE-DA61-39CE-571A1E89C085}"/>
+                <a16:creationId xmlns:a16="http://schemas.microsoft.com/office/drawing/2014/main" id="{9B58BA8D-CFF8-EB92-B9E6-094BFAF7C616}"/>
               </a:ext>
             </a:extLst>
           </p:cNvPr>
@@ -504,7 +504,7 @@
           <a:bodyPr/>
           <a:lstStyle/>
           <a:p>
-            <a:fld id="{3F52C4EB-695D-4F4A-B315-1FE7593CC331}" type="slidenum">
+            <a:fld id="{E4AA7ACE-CF8F-45DB-B691-C25CF15B4B83}" type="slidenum">
               <a:rPr lang="zh-CN" altLang="en-US" smtClean="0"/>
               <a:t>‹#›</a:t>
             </a:fld>
@@ -515,7 +515,7 @@
     </p:spTree>
     <p:extLst>
       <p:ext uri="{BB962C8B-B14F-4D97-AF65-F5344CB8AC3E}">
-        <p14:creationId xmlns:p14="http://schemas.microsoft.com/office/powerpoint/2010/main" val="330299598"/>
+        <p14:creationId xmlns:p14="http://schemas.microsoft.com/office/powerpoint/2010/main" val="2459599462"/>
       </p:ext>
     </p:extLst>
   </p:cSld>
@@ -547,7 +547,7 @@
           <p:cNvPr id="2" name="竖排标题 1">
             <a:extLst>
               <a:ext uri="{FF2B5EF4-FFF2-40B4-BE49-F238E27FC236}">
-                <a16:creationId xmlns:a16="http://schemas.microsoft.com/office/drawing/2014/main" id="{C561F15F-5B32-6AAC-F2E4-0832A8C82B07}"/>
+                <a16:creationId xmlns:a16="http://schemas.microsoft.com/office/drawing/2014/main" id="{F8AAC946-EEA6-33B5-AC66-0A93FB937B9F}"/>
               </a:ext>
             </a:extLst>
           </p:cNvPr>
@@ -580,7 +580,7 @@
           <p:cNvPr id="3" name="竖排文字占位符 2">
             <a:extLst>
               <a:ext uri="{FF2B5EF4-FFF2-40B4-BE49-F238E27FC236}">
-                <a16:creationId xmlns:a16="http://schemas.microsoft.com/office/drawing/2014/main" id="{F68B125D-2C45-BE8C-DD09-54D40BDA80E6}"/>
+                <a16:creationId xmlns:a16="http://schemas.microsoft.com/office/drawing/2014/main" id="{703F3D83-47EA-7660-2C72-D82FD06CCF08}"/>
               </a:ext>
             </a:extLst>
           </p:cNvPr>
@@ -642,7 +642,7 @@
           <p:cNvPr id="4" name="日期占位符 3">
             <a:extLst>
               <a:ext uri="{FF2B5EF4-FFF2-40B4-BE49-F238E27FC236}">
-                <a16:creationId xmlns:a16="http://schemas.microsoft.com/office/drawing/2014/main" id="{5A51E4C1-785D-B13B-C0E4-559701541B47}"/>
+                <a16:creationId xmlns:a16="http://schemas.microsoft.com/office/drawing/2014/main" id="{5F3250D5-6F34-CC97-BD88-C8D9B4284A98}"/>
               </a:ext>
             </a:extLst>
           </p:cNvPr>
@@ -658,7 +658,7 @@
           <a:bodyPr/>
           <a:lstStyle/>
           <a:p>
-            <a:fld id="{C0E2895F-3369-44DC-A428-72484E84E063}" type="datetimeFigureOut">
+            <a:fld id="{82150D35-6103-4946-8E8B-754EA331FA4F}" type="datetimeFigureOut">
               <a:rPr lang="zh-CN" altLang="en-US" smtClean="0"/>
               <a:t>2024/3/10</a:t>
             </a:fld>
@@ -671,7 +671,7 @@
           <p:cNvPr id="5" name="页脚占位符 4">
             <a:extLst>
               <a:ext uri="{FF2B5EF4-FFF2-40B4-BE49-F238E27FC236}">
-                <a16:creationId xmlns:a16="http://schemas.microsoft.com/office/drawing/2014/main" id="{BCB9E8A3-1733-4DA5-5C87-87C1736AA1DA}"/>
+                <a16:creationId xmlns:a16="http://schemas.microsoft.com/office/drawing/2014/main" id="{9605AE50-CFE0-F0ED-01D0-25F8C7777624}"/>
               </a:ext>
             </a:extLst>
           </p:cNvPr>
@@ -696,7 +696,7 @@
           <p:cNvPr id="6" name="灯片编号占位符 5">
             <a:extLst>
               <a:ext uri="{FF2B5EF4-FFF2-40B4-BE49-F238E27FC236}">
-                <a16:creationId xmlns:a16="http://schemas.microsoft.com/office/drawing/2014/main" id="{685D99F4-6B24-8A27-2917-2F63976963C8}"/>
+                <a16:creationId xmlns:a16="http://schemas.microsoft.com/office/drawing/2014/main" id="{9071EDC8-8313-B62F-710A-F8E0ECA3A374}"/>
               </a:ext>
             </a:extLst>
           </p:cNvPr>
@@ -712,7 +712,7 @@
           <a:bodyPr/>
           <a:lstStyle/>
           <a:p>
-            <a:fld id="{3F52C4EB-695D-4F4A-B315-1FE7593CC331}" type="slidenum">
+            <a:fld id="{E4AA7ACE-CF8F-45DB-B691-C25CF15B4B83}" type="slidenum">
               <a:rPr lang="zh-CN" altLang="en-US" smtClean="0"/>
               <a:t>‹#›</a:t>
             </a:fld>
@@ -723,7 +723,7 @@
     </p:spTree>
     <p:extLst>
       <p:ext uri="{BB962C8B-B14F-4D97-AF65-F5344CB8AC3E}">
-        <p14:creationId xmlns:p14="http://schemas.microsoft.com/office/powerpoint/2010/main" val="2448057722"/>
+        <p14:creationId xmlns:p14="http://schemas.microsoft.com/office/powerpoint/2010/main" val="689930302"/>
       </p:ext>
     </p:extLst>
   </p:cSld>
@@ -755,7 +755,7 @@
           <p:cNvPr id="2" name="标题 1">
             <a:extLst>
               <a:ext uri="{FF2B5EF4-FFF2-40B4-BE49-F238E27FC236}">
-                <a16:creationId xmlns:a16="http://schemas.microsoft.com/office/drawing/2014/main" id="{057F9514-58B6-48CA-7303-255F9E880B29}"/>
+                <a16:creationId xmlns:a16="http://schemas.microsoft.com/office/drawing/2014/main" id="{A953F3B2-E58E-A0C2-694F-633C5BC67119}"/>
               </a:ext>
             </a:extLst>
           </p:cNvPr>
@@ -783,7 +783,7 @@
           <p:cNvPr id="3" name="内容占位符 2">
             <a:extLst>
               <a:ext uri="{FF2B5EF4-FFF2-40B4-BE49-F238E27FC236}">
-                <a16:creationId xmlns:a16="http://schemas.microsoft.com/office/drawing/2014/main" id="{7B7AE006-68D4-4DAB-A976-5952EA39A705}"/>
+                <a16:creationId xmlns:a16="http://schemas.microsoft.com/office/drawing/2014/main" id="{0DD32C9D-D0DE-F836-3806-7ABC60C4346D}"/>
               </a:ext>
             </a:extLst>
           </p:cNvPr>
@@ -840,7 +840,7 @@
           <p:cNvPr id="4" name="日期占位符 3">
             <a:extLst>
               <a:ext uri="{FF2B5EF4-FFF2-40B4-BE49-F238E27FC236}">
-                <a16:creationId xmlns:a16="http://schemas.microsoft.com/office/drawing/2014/main" id="{596F0E61-A307-4F7D-2381-2B4296214EA1}"/>
+                <a16:creationId xmlns:a16="http://schemas.microsoft.com/office/drawing/2014/main" id="{B102A4F5-5A55-B25C-E852-736E8E2AA0B0}"/>
               </a:ext>
             </a:extLst>
           </p:cNvPr>
@@ -856,7 +856,7 @@
           <a:bodyPr/>
           <a:lstStyle/>
           <a:p>
-            <a:fld id="{C0E2895F-3369-44DC-A428-72484E84E063}" type="datetimeFigureOut">
+            <a:fld id="{82150D35-6103-4946-8E8B-754EA331FA4F}" type="datetimeFigureOut">
               <a:rPr lang="zh-CN" altLang="en-US" smtClean="0"/>
               <a:t>2024/3/10</a:t>
             </a:fld>
@@ -869,7 +869,7 @@
           <p:cNvPr id="5" name="页脚占位符 4">
             <a:extLst>
               <a:ext uri="{FF2B5EF4-FFF2-40B4-BE49-F238E27FC236}">
-                <a16:creationId xmlns:a16="http://schemas.microsoft.com/office/drawing/2014/main" id="{ACEF2391-5C0B-70A9-8353-260E585EA420}"/>
+                <a16:creationId xmlns:a16="http://schemas.microsoft.com/office/drawing/2014/main" id="{22F88AFB-CDC8-F989-C60C-2AC8E1FC3500}"/>
               </a:ext>
             </a:extLst>
           </p:cNvPr>
@@ -894,7 +894,7 @@
           <p:cNvPr id="6" name="灯片编号占位符 5">
             <a:extLst>
               <a:ext uri="{FF2B5EF4-FFF2-40B4-BE49-F238E27FC236}">
-                <a16:creationId xmlns:a16="http://schemas.microsoft.com/office/drawing/2014/main" id="{C019308F-3F6E-82DB-1A2F-12AA7AA25CCF}"/>
+                <a16:creationId xmlns:a16="http://schemas.microsoft.com/office/drawing/2014/main" id="{3E786B6E-AF1C-CB15-15EE-11C231D60670}"/>
               </a:ext>
             </a:extLst>
           </p:cNvPr>
@@ -910,7 +910,7 @@
           <a:bodyPr/>
           <a:lstStyle/>
           <a:p>
-            <a:fld id="{3F52C4EB-695D-4F4A-B315-1FE7593CC331}" type="slidenum">
+            <a:fld id="{E4AA7ACE-CF8F-45DB-B691-C25CF15B4B83}" type="slidenum">
               <a:rPr lang="zh-CN" altLang="en-US" smtClean="0"/>
               <a:t>‹#›</a:t>
             </a:fld>
@@ -921,7 +921,7 @@
     </p:spTree>
     <p:extLst>
       <p:ext uri="{BB962C8B-B14F-4D97-AF65-F5344CB8AC3E}">
-        <p14:creationId xmlns:p14="http://schemas.microsoft.com/office/powerpoint/2010/main" val="4225566125"/>
+        <p14:creationId xmlns:p14="http://schemas.microsoft.com/office/powerpoint/2010/main" val="1660760505"/>
       </p:ext>
     </p:extLst>
   </p:cSld>
@@ -953,7 +953,7 @@
           <p:cNvPr id="2" name="标题 1">
             <a:extLst>
               <a:ext uri="{FF2B5EF4-FFF2-40B4-BE49-F238E27FC236}">
-                <a16:creationId xmlns:a16="http://schemas.microsoft.com/office/drawing/2014/main" id="{A3D6A581-E3D8-36E4-D717-D9EC8AE9E765}"/>
+                <a16:creationId xmlns:a16="http://schemas.microsoft.com/office/drawing/2014/main" id="{A4DBCB20-5608-04C3-0BA8-5713B092D9C8}"/>
               </a:ext>
             </a:extLst>
           </p:cNvPr>
@@ -990,7 +990,7 @@
           <p:cNvPr id="3" name="文本占位符 2">
             <a:extLst>
               <a:ext uri="{FF2B5EF4-FFF2-40B4-BE49-F238E27FC236}">
-                <a16:creationId xmlns:a16="http://schemas.microsoft.com/office/drawing/2014/main" id="{660468ED-4976-7B99-7751-7320F09DC0F7}"/>
+                <a16:creationId xmlns:a16="http://schemas.microsoft.com/office/drawing/2014/main" id="{C392EFC3-64DA-C3C1-545E-4EFDC6BAB1AC}"/>
               </a:ext>
             </a:extLst>
           </p:cNvPr>
@@ -1115,7 +1115,7 @@
           <p:cNvPr id="4" name="日期占位符 3">
             <a:extLst>
               <a:ext uri="{FF2B5EF4-FFF2-40B4-BE49-F238E27FC236}">
-                <a16:creationId xmlns:a16="http://schemas.microsoft.com/office/drawing/2014/main" id="{08BB2FB9-82F6-85C1-6367-2CB76A3C1907}"/>
+                <a16:creationId xmlns:a16="http://schemas.microsoft.com/office/drawing/2014/main" id="{F08227C7-B79A-6550-7277-1F554FE1DA20}"/>
               </a:ext>
             </a:extLst>
           </p:cNvPr>
@@ -1131,7 +1131,7 @@
           <a:bodyPr/>
           <a:lstStyle/>
           <a:p>
-            <a:fld id="{C0E2895F-3369-44DC-A428-72484E84E063}" type="datetimeFigureOut">
+            <a:fld id="{82150D35-6103-4946-8E8B-754EA331FA4F}" type="datetimeFigureOut">
               <a:rPr lang="zh-CN" altLang="en-US" smtClean="0"/>
               <a:t>2024/3/10</a:t>
             </a:fld>
@@ -1144,7 +1144,7 @@
           <p:cNvPr id="5" name="页脚占位符 4">
             <a:extLst>
               <a:ext uri="{FF2B5EF4-FFF2-40B4-BE49-F238E27FC236}">
-                <a16:creationId xmlns:a16="http://schemas.microsoft.com/office/drawing/2014/main" id="{A21511F1-46F5-CA9D-7D66-6FAA8F4536DA}"/>
+                <a16:creationId xmlns:a16="http://schemas.microsoft.com/office/drawing/2014/main" id="{3AC39C1A-0063-E9DA-93D7-C4299F9705D7}"/>
               </a:ext>
             </a:extLst>
           </p:cNvPr>
@@ -1169,7 +1169,7 @@
           <p:cNvPr id="6" name="灯片编号占位符 5">
             <a:extLst>
               <a:ext uri="{FF2B5EF4-FFF2-40B4-BE49-F238E27FC236}">
-                <a16:creationId xmlns:a16="http://schemas.microsoft.com/office/drawing/2014/main" id="{E40C3D3E-9255-A60A-227A-F3270FC80714}"/>
+                <a16:creationId xmlns:a16="http://schemas.microsoft.com/office/drawing/2014/main" id="{D679C078-4982-0EF5-755A-535C7BC82DD7}"/>
               </a:ext>
             </a:extLst>
           </p:cNvPr>
@@ -1185,7 +1185,7 @@
           <a:bodyPr/>
           <a:lstStyle/>
           <a:p>
-            <a:fld id="{3F52C4EB-695D-4F4A-B315-1FE7593CC331}" type="slidenum">
+            <a:fld id="{E4AA7ACE-CF8F-45DB-B691-C25CF15B4B83}" type="slidenum">
               <a:rPr lang="zh-CN" altLang="en-US" smtClean="0"/>
               <a:t>‹#›</a:t>
             </a:fld>
@@ -1196,7 +1196,7 @@
     </p:spTree>
     <p:extLst>
       <p:ext uri="{BB962C8B-B14F-4D97-AF65-F5344CB8AC3E}">
-        <p14:creationId xmlns:p14="http://schemas.microsoft.com/office/powerpoint/2010/main" val="4155112765"/>
+        <p14:creationId xmlns:p14="http://schemas.microsoft.com/office/powerpoint/2010/main" val="3025779641"/>
       </p:ext>
     </p:extLst>
   </p:cSld>
@@ -1228,7 +1228,7 @@
           <p:cNvPr id="2" name="标题 1">
             <a:extLst>
               <a:ext uri="{FF2B5EF4-FFF2-40B4-BE49-F238E27FC236}">
-                <a16:creationId xmlns:a16="http://schemas.microsoft.com/office/drawing/2014/main" id="{F2109343-215C-3695-C79D-2C6C5A4E7C69}"/>
+                <a16:creationId xmlns:a16="http://schemas.microsoft.com/office/drawing/2014/main" id="{1C20F68E-0068-F981-70DF-E889FBDFBB39}"/>
               </a:ext>
             </a:extLst>
           </p:cNvPr>
@@ -1256,7 +1256,7 @@
           <p:cNvPr id="3" name="内容占位符 2">
             <a:extLst>
               <a:ext uri="{FF2B5EF4-FFF2-40B4-BE49-F238E27FC236}">
-                <a16:creationId xmlns:a16="http://schemas.microsoft.com/office/drawing/2014/main" id="{9323CA5B-3E26-3D63-19C5-6FDDD696693D}"/>
+                <a16:creationId xmlns:a16="http://schemas.microsoft.com/office/drawing/2014/main" id="{29238879-956C-7ACE-9ACA-D805EC9037EA}"/>
               </a:ext>
             </a:extLst>
           </p:cNvPr>
@@ -1318,7 +1318,7 @@
           <p:cNvPr id="4" name="内容占位符 3">
             <a:extLst>
               <a:ext uri="{FF2B5EF4-FFF2-40B4-BE49-F238E27FC236}">
-                <a16:creationId xmlns:a16="http://schemas.microsoft.com/office/drawing/2014/main" id="{48CFFE02-FBD9-3B39-52EC-78E1A4644D3C}"/>
+                <a16:creationId xmlns:a16="http://schemas.microsoft.com/office/drawing/2014/main" id="{2410ED6F-61D4-41FF-71B2-657CBD56224A}"/>
               </a:ext>
             </a:extLst>
           </p:cNvPr>
@@ -1380,7 +1380,7 @@
           <p:cNvPr id="5" name="日期占位符 4">
             <a:extLst>
               <a:ext uri="{FF2B5EF4-FFF2-40B4-BE49-F238E27FC236}">
-                <a16:creationId xmlns:a16="http://schemas.microsoft.com/office/drawing/2014/main" id="{E4E45072-4002-9941-6E84-CD805646CB0B}"/>
+                <a16:creationId xmlns:a16="http://schemas.microsoft.com/office/drawing/2014/main" id="{2BCAF36C-8D5B-0218-CCE2-E8304BBD3251}"/>
               </a:ext>
             </a:extLst>
           </p:cNvPr>
@@ -1396,7 +1396,7 @@
           <a:bodyPr/>
           <a:lstStyle/>
           <a:p>
-            <a:fld id="{C0E2895F-3369-44DC-A428-72484E84E063}" type="datetimeFigureOut">
+            <a:fld id="{82150D35-6103-4946-8E8B-754EA331FA4F}" type="datetimeFigureOut">
               <a:rPr lang="zh-CN" altLang="en-US" smtClean="0"/>
               <a:t>2024/3/10</a:t>
             </a:fld>
@@ -1409,7 +1409,7 @@
           <p:cNvPr id="6" name="页脚占位符 5">
             <a:extLst>
               <a:ext uri="{FF2B5EF4-FFF2-40B4-BE49-F238E27FC236}">
-                <a16:creationId xmlns:a16="http://schemas.microsoft.com/office/drawing/2014/main" id="{52A8386C-F098-11FF-53AA-1F9C98971C51}"/>
+                <a16:creationId xmlns:a16="http://schemas.microsoft.com/office/drawing/2014/main" id="{1A00A665-3EE5-ADFD-441B-A3FEFBA9B277}"/>
               </a:ext>
             </a:extLst>
           </p:cNvPr>
@@ -1434,7 +1434,7 @@
           <p:cNvPr id="7" name="灯片编号占位符 6">
             <a:extLst>
               <a:ext uri="{FF2B5EF4-FFF2-40B4-BE49-F238E27FC236}">
-                <a16:creationId xmlns:a16="http://schemas.microsoft.com/office/drawing/2014/main" id="{9331EA80-5EC3-7A4E-67B9-EC33611B4A71}"/>
+                <a16:creationId xmlns:a16="http://schemas.microsoft.com/office/drawing/2014/main" id="{E3E94D09-C904-2B13-697A-4D1BB2D8F371}"/>
               </a:ext>
             </a:extLst>
           </p:cNvPr>
@@ -1450,7 +1450,7 @@
           <a:bodyPr/>
           <a:lstStyle/>
           <a:p>
-            <a:fld id="{3F52C4EB-695D-4F4A-B315-1FE7593CC331}" type="slidenum">
+            <a:fld id="{E4AA7ACE-CF8F-45DB-B691-C25CF15B4B83}" type="slidenum">
               <a:rPr lang="zh-CN" altLang="en-US" smtClean="0"/>
               <a:t>‹#›</a:t>
             </a:fld>
@@ -1461,7 +1461,7 @@
     </p:spTree>
     <p:extLst>
       <p:ext uri="{BB962C8B-B14F-4D97-AF65-F5344CB8AC3E}">
-        <p14:creationId xmlns:p14="http://schemas.microsoft.com/office/powerpoint/2010/main" val="761105158"/>
+        <p14:creationId xmlns:p14="http://schemas.microsoft.com/office/powerpoint/2010/main" val="3163851635"/>
       </p:ext>
     </p:extLst>
   </p:cSld>
@@ -1493,7 +1493,7 @@
           <p:cNvPr id="2" name="标题 1">
             <a:extLst>
               <a:ext uri="{FF2B5EF4-FFF2-40B4-BE49-F238E27FC236}">
-                <a16:creationId xmlns:a16="http://schemas.microsoft.com/office/drawing/2014/main" id="{6E50FB9A-B0EB-C812-4650-F25F3AB4C574}"/>
+                <a16:creationId xmlns:a16="http://schemas.microsoft.com/office/drawing/2014/main" id="{4F6161EE-0514-FDB3-1C63-1A21209B492C}"/>
               </a:ext>
             </a:extLst>
           </p:cNvPr>
@@ -1526,7 +1526,7 @@
           <p:cNvPr id="3" name="文本占位符 2">
             <a:extLst>
               <a:ext uri="{FF2B5EF4-FFF2-40B4-BE49-F238E27FC236}">
-                <a16:creationId xmlns:a16="http://schemas.microsoft.com/office/drawing/2014/main" id="{827A2D03-0FF5-08B3-9628-345C68181B8C}"/>
+                <a16:creationId xmlns:a16="http://schemas.microsoft.com/office/drawing/2014/main" id="{2CFF1768-CCC7-00B9-D3B3-0C50D4788BB6}"/>
               </a:ext>
             </a:extLst>
           </p:cNvPr>
@@ -1597,7 +1597,7 @@
           <p:cNvPr id="4" name="内容占位符 3">
             <a:extLst>
               <a:ext uri="{FF2B5EF4-FFF2-40B4-BE49-F238E27FC236}">
-                <a16:creationId xmlns:a16="http://schemas.microsoft.com/office/drawing/2014/main" id="{EA9277F5-027F-4F46-4DCB-F5CD74EF5A3B}"/>
+                <a16:creationId xmlns:a16="http://schemas.microsoft.com/office/drawing/2014/main" id="{9E6146BF-96F1-6FC3-E5F5-4542E58D17F5}"/>
               </a:ext>
             </a:extLst>
           </p:cNvPr>
@@ -1659,7 +1659,7 @@
           <p:cNvPr id="5" name="文本占位符 4">
             <a:extLst>
               <a:ext uri="{FF2B5EF4-FFF2-40B4-BE49-F238E27FC236}">
-                <a16:creationId xmlns:a16="http://schemas.microsoft.com/office/drawing/2014/main" id="{1F225604-DB35-7D53-7E55-6F090C429E7D}"/>
+                <a16:creationId xmlns:a16="http://schemas.microsoft.com/office/drawing/2014/main" id="{15362FF0-DE47-659F-8849-119BB432CCEE}"/>
               </a:ext>
             </a:extLst>
           </p:cNvPr>
@@ -1730,7 +1730,7 @@
           <p:cNvPr id="6" name="内容占位符 5">
             <a:extLst>
               <a:ext uri="{FF2B5EF4-FFF2-40B4-BE49-F238E27FC236}">
-                <a16:creationId xmlns:a16="http://schemas.microsoft.com/office/drawing/2014/main" id="{6285A7EF-F52F-5F9B-7C8D-F9A6BE035995}"/>
+                <a16:creationId xmlns:a16="http://schemas.microsoft.com/office/drawing/2014/main" id="{547FE55E-53AA-88CD-DC9E-B6B2FBC471FF}"/>
               </a:ext>
             </a:extLst>
           </p:cNvPr>
@@ -1792,7 +1792,7 @@
           <p:cNvPr id="7" name="日期占位符 6">
             <a:extLst>
               <a:ext uri="{FF2B5EF4-FFF2-40B4-BE49-F238E27FC236}">
-                <a16:creationId xmlns:a16="http://schemas.microsoft.com/office/drawing/2014/main" id="{0F221CC2-61CB-E76B-CBD2-0B4BD422C623}"/>
+                <a16:creationId xmlns:a16="http://schemas.microsoft.com/office/drawing/2014/main" id="{12D31794-A2DA-6A3A-74C2-0DF2E3006613}"/>
               </a:ext>
             </a:extLst>
           </p:cNvPr>
@@ -1808,7 +1808,7 @@
           <a:bodyPr/>
           <a:lstStyle/>
           <a:p>
-            <a:fld id="{C0E2895F-3369-44DC-A428-72484E84E063}" type="datetimeFigureOut">
+            <a:fld id="{82150D35-6103-4946-8E8B-754EA331FA4F}" type="datetimeFigureOut">
               <a:rPr lang="zh-CN" altLang="en-US" smtClean="0"/>
               <a:t>2024/3/10</a:t>
             </a:fld>
@@ -1821,7 +1821,7 @@
           <p:cNvPr id="8" name="页脚占位符 7">
             <a:extLst>
               <a:ext uri="{FF2B5EF4-FFF2-40B4-BE49-F238E27FC236}">
-                <a16:creationId xmlns:a16="http://schemas.microsoft.com/office/drawing/2014/main" id="{CEB86A66-7D0E-A8E1-EAB6-FF84F05C4645}"/>
+                <a16:creationId xmlns:a16="http://schemas.microsoft.com/office/drawing/2014/main" id="{3FA2A5CD-9EEF-28DE-BFFD-4A06360F8811}"/>
               </a:ext>
             </a:extLst>
           </p:cNvPr>
@@ -1846,7 +1846,7 @@
           <p:cNvPr id="9" name="灯片编号占位符 8">
             <a:extLst>
               <a:ext uri="{FF2B5EF4-FFF2-40B4-BE49-F238E27FC236}">
-                <a16:creationId xmlns:a16="http://schemas.microsoft.com/office/drawing/2014/main" id="{61FB352A-ED7D-1946-1F99-EF180A0F2F2A}"/>
+                <a16:creationId xmlns:a16="http://schemas.microsoft.com/office/drawing/2014/main" id="{9A701F27-8A88-7FF6-BADD-AFD3E25A20A2}"/>
               </a:ext>
             </a:extLst>
           </p:cNvPr>
@@ -1862,7 +1862,7 @@
           <a:bodyPr/>
           <a:lstStyle/>
           <a:p>
-            <a:fld id="{3F52C4EB-695D-4F4A-B315-1FE7593CC331}" type="slidenum">
+            <a:fld id="{E4AA7ACE-CF8F-45DB-B691-C25CF15B4B83}" type="slidenum">
               <a:rPr lang="zh-CN" altLang="en-US" smtClean="0"/>
               <a:t>‹#›</a:t>
             </a:fld>
@@ -1873,7 +1873,7 @@
     </p:spTree>
     <p:extLst>
       <p:ext uri="{BB962C8B-B14F-4D97-AF65-F5344CB8AC3E}">
-        <p14:creationId xmlns:p14="http://schemas.microsoft.com/office/powerpoint/2010/main" val="562560446"/>
+        <p14:creationId xmlns:p14="http://schemas.microsoft.com/office/powerpoint/2010/main" val="2475291642"/>
       </p:ext>
     </p:extLst>
   </p:cSld>
@@ -1905,7 +1905,7 @@
           <p:cNvPr id="2" name="标题 1">
             <a:extLst>
               <a:ext uri="{FF2B5EF4-FFF2-40B4-BE49-F238E27FC236}">
-                <a16:creationId xmlns:a16="http://schemas.microsoft.com/office/drawing/2014/main" id="{50E0BC77-F021-5FC2-F839-66A6139A6A29}"/>
+                <a16:creationId xmlns:a16="http://schemas.microsoft.com/office/drawing/2014/main" id="{2EB5625F-9F6D-58C7-AEB8-E5371D9D3663}"/>
               </a:ext>
             </a:extLst>
           </p:cNvPr>
@@ -1933,7 +1933,7 @@
           <p:cNvPr id="3" name="日期占位符 2">
             <a:extLst>
               <a:ext uri="{FF2B5EF4-FFF2-40B4-BE49-F238E27FC236}">
-                <a16:creationId xmlns:a16="http://schemas.microsoft.com/office/drawing/2014/main" id="{8A0ABA76-F876-A12D-63C9-B5D0EDB18ADF}"/>
+                <a16:creationId xmlns:a16="http://schemas.microsoft.com/office/drawing/2014/main" id="{F539C9FA-5EF5-F8DD-27AD-8DC062F5A9CD}"/>
               </a:ext>
             </a:extLst>
           </p:cNvPr>
@@ -1949,7 +1949,7 @@
           <a:bodyPr/>
           <a:lstStyle/>
           <a:p>
-            <a:fld id="{C0E2895F-3369-44DC-A428-72484E84E063}" type="datetimeFigureOut">
+            <a:fld id="{82150D35-6103-4946-8E8B-754EA331FA4F}" type="datetimeFigureOut">
               <a:rPr lang="zh-CN" altLang="en-US" smtClean="0"/>
               <a:t>2024/3/10</a:t>
             </a:fld>
@@ -1962,7 +1962,7 @@
           <p:cNvPr id="4" name="页脚占位符 3">
             <a:extLst>
               <a:ext uri="{FF2B5EF4-FFF2-40B4-BE49-F238E27FC236}">
-                <a16:creationId xmlns:a16="http://schemas.microsoft.com/office/drawing/2014/main" id="{C251B4DB-F049-AA26-11F8-C69D3BABFA0F}"/>
+                <a16:creationId xmlns:a16="http://schemas.microsoft.com/office/drawing/2014/main" id="{47A1D353-1B0E-655D-56B6-06941F2A4A52}"/>
               </a:ext>
             </a:extLst>
           </p:cNvPr>
@@ -1987,7 +1987,7 @@
           <p:cNvPr id="5" name="灯片编号占位符 4">
             <a:extLst>
               <a:ext uri="{FF2B5EF4-FFF2-40B4-BE49-F238E27FC236}">
-                <a16:creationId xmlns:a16="http://schemas.microsoft.com/office/drawing/2014/main" id="{77D94876-4260-C344-433D-AA9B2252E931}"/>
+                <a16:creationId xmlns:a16="http://schemas.microsoft.com/office/drawing/2014/main" id="{5BA79FBB-97BE-3F3B-96E9-3C4723EBBCD9}"/>
               </a:ext>
             </a:extLst>
           </p:cNvPr>
@@ -2003,7 +2003,7 @@
           <a:bodyPr/>
           <a:lstStyle/>
           <a:p>
-            <a:fld id="{3F52C4EB-695D-4F4A-B315-1FE7593CC331}" type="slidenum">
+            <a:fld id="{E4AA7ACE-CF8F-45DB-B691-C25CF15B4B83}" type="slidenum">
               <a:rPr lang="zh-CN" altLang="en-US" smtClean="0"/>
               <a:t>‹#›</a:t>
             </a:fld>
@@ -2014,7 +2014,7 @@
     </p:spTree>
     <p:extLst>
       <p:ext uri="{BB962C8B-B14F-4D97-AF65-F5344CB8AC3E}">
-        <p14:creationId xmlns:p14="http://schemas.microsoft.com/office/powerpoint/2010/main" val="743560326"/>
+        <p14:creationId xmlns:p14="http://schemas.microsoft.com/office/powerpoint/2010/main" val="3334616468"/>
       </p:ext>
     </p:extLst>
   </p:cSld>
@@ -2046,7 +2046,7 @@
           <p:cNvPr id="2" name="日期占位符 1">
             <a:extLst>
               <a:ext uri="{FF2B5EF4-FFF2-40B4-BE49-F238E27FC236}">
-                <a16:creationId xmlns:a16="http://schemas.microsoft.com/office/drawing/2014/main" id="{B74EC0B6-0DC7-DBDD-4AF7-2D155DE14925}"/>
+                <a16:creationId xmlns:a16="http://schemas.microsoft.com/office/drawing/2014/main" id="{B3480F22-17A4-EA92-978D-2A4839173DD0}"/>
               </a:ext>
             </a:extLst>
           </p:cNvPr>
@@ -2062,7 +2062,7 @@
           <a:bodyPr/>
           <a:lstStyle/>
           <a:p>
-            <a:fld id="{C0E2895F-3369-44DC-A428-72484E84E063}" type="datetimeFigureOut">
+            <a:fld id="{82150D35-6103-4946-8E8B-754EA331FA4F}" type="datetimeFigureOut">
               <a:rPr lang="zh-CN" altLang="en-US" smtClean="0"/>
               <a:t>2024/3/10</a:t>
             </a:fld>
@@ -2075,7 +2075,7 @@
           <p:cNvPr id="3" name="页脚占位符 2">
             <a:extLst>
               <a:ext uri="{FF2B5EF4-FFF2-40B4-BE49-F238E27FC236}">
-                <a16:creationId xmlns:a16="http://schemas.microsoft.com/office/drawing/2014/main" id="{2D1DD325-5E61-71E5-E09E-41E5D5B13EC9}"/>
+                <a16:creationId xmlns:a16="http://schemas.microsoft.com/office/drawing/2014/main" id="{C5EB8B41-D0A2-1D57-523E-68B5C81BDEB2}"/>
               </a:ext>
             </a:extLst>
           </p:cNvPr>
@@ -2100,7 +2100,7 @@
           <p:cNvPr id="4" name="灯片编号占位符 3">
             <a:extLst>
               <a:ext uri="{FF2B5EF4-FFF2-40B4-BE49-F238E27FC236}">
-                <a16:creationId xmlns:a16="http://schemas.microsoft.com/office/drawing/2014/main" id="{DACB3EA3-2B15-9AEE-6E4E-163ECA8BC1FE}"/>
+                <a16:creationId xmlns:a16="http://schemas.microsoft.com/office/drawing/2014/main" id="{BA3A3EBC-BA29-43A2-A9FE-C4576E9CCEC0}"/>
               </a:ext>
             </a:extLst>
           </p:cNvPr>
@@ -2116,7 +2116,7 @@
           <a:bodyPr/>
           <a:lstStyle/>
           <a:p>
-            <a:fld id="{3F52C4EB-695D-4F4A-B315-1FE7593CC331}" type="slidenum">
+            <a:fld id="{E4AA7ACE-CF8F-45DB-B691-C25CF15B4B83}" type="slidenum">
               <a:rPr lang="zh-CN" altLang="en-US" smtClean="0"/>
               <a:t>‹#›</a:t>
             </a:fld>
@@ -2127,7 +2127,7 @@
     </p:spTree>
     <p:extLst>
       <p:ext uri="{BB962C8B-B14F-4D97-AF65-F5344CB8AC3E}">
-        <p14:creationId xmlns:p14="http://schemas.microsoft.com/office/powerpoint/2010/main" val="3687270463"/>
+        <p14:creationId xmlns:p14="http://schemas.microsoft.com/office/powerpoint/2010/main" val="237239328"/>
       </p:ext>
     </p:extLst>
   </p:cSld>
@@ -2159,7 +2159,7 @@
           <p:cNvPr id="2" name="标题 1">
             <a:extLst>
               <a:ext uri="{FF2B5EF4-FFF2-40B4-BE49-F238E27FC236}">
-                <a16:creationId xmlns:a16="http://schemas.microsoft.com/office/drawing/2014/main" id="{F0A3987A-E242-F43D-8BDD-3B49EDE48CD3}"/>
+                <a16:creationId xmlns:a16="http://schemas.microsoft.com/office/drawing/2014/main" id="{568251B2-6461-6F5B-B370-82AD6F96AF5B}"/>
               </a:ext>
             </a:extLst>
           </p:cNvPr>
@@ -2196,7 +2196,7 @@
           <p:cNvPr id="3" name="内容占位符 2">
             <a:extLst>
               <a:ext uri="{FF2B5EF4-FFF2-40B4-BE49-F238E27FC236}">
-                <a16:creationId xmlns:a16="http://schemas.microsoft.com/office/drawing/2014/main" id="{02AFDE00-95A9-BB91-D43C-1ED426A6D6D5}"/>
+                <a16:creationId xmlns:a16="http://schemas.microsoft.com/office/drawing/2014/main" id="{49361F44-3C00-76C6-4830-681740A4BCB1}"/>
               </a:ext>
             </a:extLst>
           </p:cNvPr>
@@ -2286,7 +2286,7 @@
           <p:cNvPr id="4" name="文本占位符 3">
             <a:extLst>
               <a:ext uri="{FF2B5EF4-FFF2-40B4-BE49-F238E27FC236}">
-                <a16:creationId xmlns:a16="http://schemas.microsoft.com/office/drawing/2014/main" id="{73C7253F-7C10-2D88-6383-967013DB8EA3}"/>
+                <a16:creationId xmlns:a16="http://schemas.microsoft.com/office/drawing/2014/main" id="{D06072A4-3AB5-B094-503E-D9104F1A2DDC}"/>
               </a:ext>
             </a:extLst>
           </p:cNvPr>
@@ -2357,7 +2357,7 @@
           <p:cNvPr id="5" name="日期占位符 4">
             <a:extLst>
               <a:ext uri="{FF2B5EF4-FFF2-40B4-BE49-F238E27FC236}">
-                <a16:creationId xmlns:a16="http://schemas.microsoft.com/office/drawing/2014/main" id="{3C00EDC0-971D-F1E0-D542-C631B9C1FA48}"/>
+                <a16:creationId xmlns:a16="http://schemas.microsoft.com/office/drawing/2014/main" id="{E88DBF65-55A3-9B1F-6795-7DF3A6FFCF5C}"/>
               </a:ext>
             </a:extLst>
           </p:cNvPr>
@@ -2373,7 +2373,7 @@
           <a:bodyPr/>
           <a:lstStyle/>
           <a:p>
-            <a:fld id="{C0E2895F-3369-44DC-A428-72484E84E063}" type="datetimeFigureOut">
+            <a:fld id="{82150D35-6103-4946-8E8B-754EA331FA4F}" type="datetimeFigureOut">
               <a:rPr lang="zh-CN" altLang="en-US" smtClean="0"/>
               <a:t>2024/3/10</a:t>
             </a:fld>
@@ -2386,7 +2386,7 @@
           <p:cNvPr id="6" name="页脚占位符 5">
             <a:extLst>
               <a:ext uri="{FF2B5EF4-FFF2-40B4-BE49-F238E27FC236}">
-                <a16:creationId xmlns:a16="http://schemas.microsoft.com/office/drawing/2014/main" id="{5967925C-D3FF-677B-C936-D98DB7F8A847}"/>
+                <a16:creationId xmlns:a16="http://schemas.microsoft.com/office/drawing/2014/main" id="{949E1620-DF06-CD0B-7722-3161FC34080E}"/>
               </a:ext>
             </a:extLst>
           </p:cNvPr>
@@ -2411,7 +2411,7 @@
           <p:cNvPr id="7" name="灯片编号占位符 6">
             <a:extLst>
               <a:ext uri="{FF2B5EF4-FFF2-40B4-BE49-F238E27FC236}">
-                <a16:creationId xmlns:a16="http://schemas.microsoft.com/office/drawing/2014/main" id="{2AD8AC76-8B99-69A2-7BFF-87B9838A216A}"/>
+                <a16:creationId xmlns:a16="http://schemas.microsoft.com/office/drawing/2014/main" id="{0E2AE995-7F86-D116-DD3F-3CA605D51924}"/>
               </a:ext>
             </a:extLst>
           </p:cNvPr>
@@ -2427,7 +2427,7 @@
           <a:bodyPr/>
           <a:lstStyle/>
           <a:p>
-            <a:fld id="{3F52C4EB-695D-4F4A-B315-1FE7593CC331}" type="slidenum">
+            <a:fld id="{E4AA7ACE-CF8F-45DB-B691-C25CF15B4B83}" type="slidenum">
               <a:rPr lang="zh-CN" altLang="en-US" smtClean="0"/>
               <a:t>‹#›</a:t>
             </a:fld>
@@ -2438,7 +2438,7 @@
     </p:spTree>
     <p:extLst>
       <p:ext uri="{BB962C8B-B14F-4D97-AF65-F5344CB8AC3E}">
-        <p14:creationId xmlns:p14="http://schemas.microsoft.com/office/powerpoint/2010/main" val="2929850295"/>
+        <p14:creationId xmlns:p14="http://schemas.microsoft.com/office/powerpoint/2010/main" val="280168393"/>
       </p:ext>
     </p:extLst>
   </p:cSld>
@@ -2470,7 +2470,7 @@
           <p:cNvPr id="2" name="标题 1">
             <a:extLst>
               <a:ext uri="{FF2B5EF4-FFF2-40B4-BE49-F238E27FC236}">
-                <a16:creationId xmlns:a16="http://schemas.microsoft.com/office/drawing/2014/main" id="{982D5908-8E82-9E82-282C-98EA56E6BE41}"/>
+                <a16:creationId xmlns:a16="http://schemas.microsoft.com/office/drawing/2014/main" id="{F5DDA1C4-594A-455D-9DDF-F8D67FDB154A}"/>
               </a:ext>
             </a:extLst>
           </p:cNvPr>
@@ -2507,7 +2507,7 @@
           <p:cNvPr id="3" name="图片占位符 2">
             <a:extLst>
               <a:ext uri="{FF2B5EF4-FFF2-40B4-BE49-F238E27FC236}">
-                <a16:creationId xmlns:a16="http://schemas.microsoft.com/office/drawing/2014/main" id="{F6C28295-06A5-A3F6-C673-B4D16B812357}"/>
+                <a16:creationId xmlns:a16="http://schemas.microsoft.com/office/drawing/2014/main" id="{3D29B4D2-A439-2A43-B2DB-4EA2E9284E3C}"/>
               </a:ext>
             </a:extLst>
           </p:cNvPr>
@@ -2574,7 +2574,7 @@
           <p:cNvPr id="4" name="文本占位符 3">
             <a:extLst>
               <a:ext uri="{FF2B5EF4-FFF2-40B4-BE49-F238E27FC236}">
-                <a16:creationId xmlns:a16="http://schemas.microsoft.com/office/drawing/2014/main" id="{C741C632-AA5E-99EE-355C-F7B693F071C5}"/>
+                <a16:creationId xmlns:a16="http://schemas.microsoft.com/office/drawing/2014/main" id="{1689A03F-5087-0B93-F18A-8034CDCC10DB}"/>
               </a:ext>
             </a:extLst>
           </p:cNvPr>
@@ -2645,7 +2645,7 @@
           <p:cNvPr id="5" name="日期占位符 4">
             <a:extLst>
               <a:ext uri="{FF2B5EF4-FFF2-40B4-BE49-F238E27FC236}">
-                <a16:creationId xmlns:a16="http://schemas.microsoft.com/office/drawing/2014/main" id="{1C9B98B7-2E34-7AC0-1AB7-3ACFAE0A6F2B}"/>
+                <a16:creationId xmlns:a16="http://schemas.microsoft.com/office/drawing/2014/main" id="{A960570E-BE2B-AABE-FDDB-0AB37D3D4636}"/>
               </a:ext>
             </a:extLst>
           </p:cNvPr>
@@ -2661,7 +2661,7 @@
           <a:bodyPr/>
           <a:lstStyle/>
           <a:p>
-            <a:fld id="{C0E2895F-3369-44DC-A428-72484E84E063}" type="datetimeFigureOut">
+            <a:fld id="{82150D35-6103-4946-8E8B-754EA331FA4F}" type="datetimeFigureOut">
               <a:rPr lang="zh-CN" altLang="en-US" smtClean="0"/>
               <a:t>2024/3/10</a:t>
             </a:fld>
@@ -2674,7 +2674,7 @@
           <p:cNvPr id="6" name="页脚占位符 5">
             <a:extLst>
               <a:ext uri="{FF2B5EF4-FFF2-40B4-BE49-F238E27FC236}">
-                <a16:creationId xmlns:a16="http://schemas.microsoft.com/office/drawing/2014/main" id="{35AD6527-4F46-B35D-76B3-2779734E92C5}"/>
+                <a16:creationId xmlns:a16="http://schemas.microsoft.com/office/drawing/2014/main" id="{F74F7E48-E880-E503-58AD-4DFA2AC3F7AB}"/>
               </a:ext>
             </a:extLst>
           </p:cNvPr>
@@ -2699,7 +2699,7 @@
           <p:cNvPr id="7" name="灯片编号占位符 6">
             <a:extLst>
               <a:ext uri="{FF2B5EF4-FFF2-40B4-BE49-F238E27FC236}">
-                <a16:creationId xmlns:a16="http://schemas.microsoft.com/office/drawing/2014/main" id="{2C85F105-8CDF-C3ED-CFFE-351700D5AC8D}"/>
+                <a16:creationId xmlns:a16="http://schemas.microsoft.com/office/drawing/2014/main" id="{C0119B30-5E4E-7F9F-75A8-58E655CAF7FD}"/>
               </a:ext>
             </a:extLst>
           </p:cNvPr>
@@ -2715,7 +2715,7 @@
           <a:bodyPr/>
           <a:lstStyle/>
           <a:p>
-            <a:fld id="{3F52C4EB-695D-4F4A-B315-1FE7593CC331}" type="slidenum">
+            <a:fld id="{E4AA7ACE-CF8F-45DB-B691-C25CF15B4B83}" type="slidenum">
               <a:rPr lang="zh-CN" altLang="en-US" smtClean="0"/>
               <a:t>‹#›</a:t>
             </a:fld>
@@ -2726,7 +2726,7 @@
     </p:spTree>
     <p:extLst>
       <p:ext uri="{BB962C8B-B14F-4D97-AF65-F5344CB8AC3E}">
-        <p14:creationId xmlns:p14="http://schemas.microsoft.com/office/powerpoint/2010/main" val="1561712139"/>
+        <p14:creationId xmlns:p14="http://schemas.microsoft.com/office/powerpoint/2010/main" val="2425330761"/>
       </p:ext>
     </p:extLst>
   </p:cSld>
@@ -2763,7 +2763,7 @@
           <p:cNvPr id="2" name="标题占位符 1">
             <a:extLst>
               <a:ext uri="{FF2B5EF4-FFF2-40B4-BE49-F238E27FC236}">
-                <a16:creationId xmlns:a16="http://schemas.microsoft.com/office/drawing/2014/main" id="{5F1AAB44-F6C9-2FFD-0F4D-32E0B3A76F0F}"/>
+                <a16:creationId xmlns:a16="http://schemas.microsoft.com/office/drawing/2014/main" id="{26C7AFCF-8761-A68A-C156-C8D0DD87B241}"/>
               </a:ext>
             </a:extLst>
           </p:cNvPr>
@@ -2801,7 +2801,7 @@
           <p:cNvPr id="3" name="文本占位符 2">
             <a:extLst>
               <a:ext uri="{FF2B5EF4-FFF2-40B4-BE49-F238E27FC236}">
-                <a16:creationId xmlns:a16="http://schemas.microsoft.com/office/drawing/2014/main" id="{618C8228-0C83-BEB5-C18B-A738A176B69B}"/>
+                <a16:creationId xmlns:a16="http://schemas.microsoft.com/office/drawing/2014/main" id="{C8CB592E-FDFC-F17A-EC87-98B4CB1D3183}"/>
               </a:ext>
             </a:extLst>
           </p:cNvPr>
@@ -2868,7 +2868,7 @@
           <p:cNvPr id="4" name="日期占位符 3">
             <a:extLst>
               <a:ext uri="{FF2B5EF4-FFF2-40B4-BE49-F238E27FC236}">
-                <a16:creationId xmlns:a16="http://schemas.microsoft.com/office/drawing/2014/main" id="{18841BD1-3A61-80E6-AF42-27339E473F1F}"/>
+                <a16:creationId xmlns:a16="http://schemas.microsoft.com/office/drawing/2014/main" id="{F657FC74-92AE-850C-E25A-AE66111BFEC0}"/>
               </a:ext>
             </a:extLst>
           </p:cNvPr>
@@ -2902,7 +2902,7 @@
             </a:lvl1pPr>
           </a:lstStyle>
           <a:p>
-            <a:fld id="{C0E2895F-3369-44DC-A428-72484E84E063}" type="datetimeFigureOut">
+            <a:fld id="{82150D35-6103-4946-8E8B-754EA331FA4F}" type="datetimeFigureOut">
               <a:rPr lang="zh-CN" altLang="en-US" smtClean="0"/>
               <a:t>2024/3/10</a:t>
             </a:fld>
@@ -2915,7 +2915,7 @@
           <p:cNvPr id="5" name="页脚占位符 4">
             <a:extLst>
               <a:ext uri="{FF2B5EF4-FFF2-40B4-BE49-F238E27FC236}">
-                <a16:creationId xmlns:a16="http://schemas.microsoft.com/office/drawing/2014/main" id="{2560DB52-7951-93D0-3C96-E7ADFF034995}"/>
+                <a16:creationId xmlns:a16="http://schemas.microsoft.com/office/drawing/2014/main" id="{CE08A17E-1C6E-C87A-8EC3-687AAFC4D559}"/>
               </a:ext>
             </a:extLst>
           </p:cNvPr>
@@ -2958,7 +2958,7 @@
           <p:cNvPr id="6" name="灯片编号占位符 5">
             <a:extLst>
               <a:ext uri="{FF2B5EF4-FFF2-40B4-BE49-F238E27FC236}">
-                <a16:creationId xmlns:a16="http://schemas.microsoft.com/office/drawing/2014/main" id="{6DA7CB64-CE77-66AA-328F-D2444EF9EF60}"/>
+                <a16:creationId xmlns:a16="http://schemas.microsoft.com/office/drawing/2014/main" id="{4994764F-DFCA-2541-5952-DE3E3F855462}"/>
               </a:ext>
             </a:extLst>
           </p:cNvPr>
@@ -2992,7 +2992,7 @@
             </a:lvl1pPr>
           </a:lstStyle>
           <a:p>
-            <a:fld id="{3F52C4EB-695D-4F4A-B315-1FE7593CC331}" type="slidenum">
+            <a:fld id="{E4AA7ACE-CF8F-45DB-B691-C25CF15B4B83}" type="slidenum">
               <a:rPr lang="zh-CN" altLang="en-US" smtClean="0"/>
               <a:t>‹#›</a:t>
             </a:fld>
@@ -3003,7 +3003,7 @@
     </p:spTree>
     <p:extLst>
       <p:ext uri="{BB962C8B-B14F-4D97-AF65-F5344CB8AC3E}">
-        <p14:creationId xmlns:p14="http://schemas.microsoft.com/office/powerpoint/2010/main" val="3192046015"/>
+        <p14:creationId xmlns:p14="http://schemas.microsoft.com/office/powerpoint/2010/main" val="750184255"/>
       </p:ext>
     </p:extLst>
   </p:cSld>
